--- a/marketing/marketreports/office_snapshot_template.pptx
+++ b/marketing/marketreports/office_snapshot_template.pptx
@@ -142,13 +142,37 @@
 <file path=ppt/revisionInfo.xml><?xml version="1.0" encoding="utf-8"?>
 <p1510:revInfo xmlns:a="http://schemas.openxmlformats.org/drawingml/2006/main" xmlns:r="http://schemas.openxmlformats.org/officeDocument/2006/relationships" xmlns:p1510="http://schemas.microsoft.com/office/powerpoint/2015/10/main">
   <p1510:revLst>
-    <p1510:client id="{081B2901-91DF-2348-8C9D-3498FB649D76}" v="1" dt="2020-06-24T18:42:21.702"/>
+    <p1510:client id="{E2866FD1-FCFC-9343-B648-3B21845773F2}" v="2" dt="2020-07-13T14:16:04.195"/>
   </p1510:revLst>
 </p1510:revInfo>
 </file>
 
 <file path=ppt/changesInfos/changesInfo1.xml><?xml version="1.0" encoding="utf-8"?>
 <pc:chgInfo xmlns:a="http://schemas.openxmlformats.org/drawingml/2006/main" xmlns:r="http://schemas.openxmlformats.org/officeDocument/2006/relationships" xmlns:ac="http://schemas.microsoft.com/office/drawing/2013/main/command" xmlns:pc="http://schemas.microsoft.com/office/powerpoint/2013/main/command">
+  <pc:docChgLst>
+    <pc:chgData name="Andrew Schnitkey" userId="4f2f6332d690fb8f" providerId="LiveId" clId="{E2866FD1-FCFC-9343-B648-3B21845773F2}"/>
+    <pc:docChg chg="modSld">
+      <pc:chgData name="Andrew Schnitkey" userId="4f2f6332d690fb8f" providerId="LiveId" clId="{E2866FD1-FCFC-9343-B648-3B21845773F2}" dt="2020-07-13T14:16:04.195" v="6" actId="5736"/>
+      <pc:docMkLst>
+        <pc:docMk/>
+      </pc:docMkLst>
+      <pc:sldChg chg="modSp mod">
+        <pc:chgData name="Andrew Schnitkey" userId="4f2f6332d690fb8f" providerId="LiveId" clId="{E2866FD1-FCFC-9343-B648-3B21845773F2}" dt="2020-07-13T14:16:04.195" v="6" actId="5736"/>
+        <pc:sldMkLst>
+          <pc:docMk/>
+          <pc:sldMk cId="769240779" sldId="3309"/>
+        </pc:sldMkLst>
+        <pc:graphicFrameChg chg="mod">
+          <ac:chgData name="Andrew Schnitkey" userId="4f2f6332d690fb8f" providerId="LiveId" clId="{E2866FD1-FCFC-9343-B648-3B21845773F2}" dt="2020-07-13T14:16:04.195" v="6" actId="5736"/>
+          <ac:graphicFrameMkLst>
+            <pc:docMk/>
+            <pc:sldMk cId="769240779" sldId="3309"/>
+            <ac:graphicFrameMk id="2" creationId="{AE554B24-EC4F-6245-BAC1-E1ED0E9FC0C4}"/>
+          </ac:graphicFrameMkLst>
+        </pc:graphicFrameChg>
+      </pc:sldChg>
+    </pc:docChg>
+  </pc:docChgLst>
   <pc:docChgLst>
     <pc:chgData name="Andrew Schnitkey" userId="4f2f6332d690fb8f" providerId="LiveId" clId="{B1B4E555-184B-354B-B38A-39DC2074C8AE}"/>
     <pc:docChg chg="modSld">
@@ -229,19 +253,19 @@
               <c:strCache>
                 <c:ptCount val="5"/>
                 <c:pt idx="0">
-                  <c:v>Q1 2019</c:v>
+                  <c:v>Q2 2019</c:v>
                 </c:pt>
                 <c:pt idx="1">
-                  <c:v>Q2 2019</c:v>
+                  <c:v>Q3 2019</c:v>
                 </c:pt>
                 <c:pt idx="2">
-                  <c:v>Q3 2019</c:v>
+                  <c:v>Q4 2019</c:v>
                 </c:pt>
                 <c:pt idx="3">
-                  <c:v>Q4 2019</c:v>
+                  <c:v>Q1 2020</c:v>
                 </c:pt>
                 <c:pt idx="4">
-                  <c:v>Q1 2020</c:v>
+                  <c:v>Q2 2020</c:v>
                 </c:pt>
               </c:strCache>
             </c:strRef>
@@ -253,19 +277,19 @@
                 <c:formatCode>General</c:formatCode>
                 <c:ptCount val="5"/>
                 <c:pt idx="0">
-                  <c:v>273000</c:v>
+                  <c:v>-122000</c:v>
                 </c:pt>
                 <c:pt idx="1">
-                  <c:v>-122000</c:v>
+                  <c:v>100000</c:v>
                 </c:pt>
                 <c:pt idx="2">
-                  <c:v>100000</c:v>
+                  <c:v>21000</c:v>
                 </c:pt>
                 <c:pt idx="3">
-                  <c:v>21000</c:v>
+                  <c:v>39000</c:v>
                 </c:pt>
                 <c:pt idx="4">
-                  <c:v>39000</c:v>
+                  <c:v>33000</c:v>
                 </c:pt>
               </c:numCache>
             </c:numRef>
@@ -324,19 +348,19 @@
               <c:strCache>
                 <c:ptCount val="5"/>
                 <c:pt idx="0">
-                  <c:v>Q1 2019</c:v>
+                  <c:v>Q2 2019</c:v>
                 </c:pt>
                 <c:pt idx="1">
-                  <c:v>Q2 2019</c:v>
+                  <c:v>Q3 2019</c:v>
                 </c:pt>
                 <c:pt idx="2">
-                  <c:v>Q3 2019</c:v>
+                  <c:v>Q4 2019</c:v>
                 </c:pt>
                 <c:pt idx="3">
-                  <c:v>Q4 2019</c:v>
+                  <c:v>Q1 2020</c:v>
                 </c:pt>
                 <c:pt idx="4">
-                  <c:v>Q1 2020</c:v>
+                  <c:v>Q2 2020</c:v>
                 </c:pt>
               </c:strCache>
             </c:strRef>
@@ -348,19 +372,19 @@
                 <c:formatCode>0.00%</c:formatCode>
                 <c:ptCount val="5"/>
                 <c:pt idx="0">
-                  <c:v>6.4000000000000001E-2</c:v>
+                  <c:v>7.0999999999999994E-2</c:v>
                 </c:pt>
                 <c:pt idx="1">
                   <c:v>7.0999999999999994E-2</c:v>
                 </c:pt>
                 <c:pt idx="2">
-                  <c:v>7.0999999999999994E-2</c:v>
+                  <c:v>6.8000000000000005E-2</c:v>
                 </c:pt>
                 <c:pt idx="3">
-                  <c:v>6.8000000000000005E-2</c:v>
+                  <c:v>7.6999999999999999E-2</c:v>
                 </c:pt>
                 <c:pt idx="4">
-                  <c:v>7.6999999999999999E-2</c:v>
+                  <c:v>7.5999999999999998E-2</c:v>
                 </c:pt>
               </c:numCache>
             </c:numRef>
@@ -487,7 +511,7 @@
         <c:scaling>
           <c:orientation val="minMax"/>
           <c:max val="8.0000000000000016E-2"/>
-          <c:min val="5.000000000000001E-2"/>
+          <c:min val="6.0000000000000012E-2"/>
         </c:scaling>
         <c:delete val="0"/>
         <c:axPos val="r"/>
@@ -647,7 +671,7 @@
             <a:fld id="{EFC10EE1-B198-C942-8235-326C972CBB30}" type="datetimeFigureOut">
               <a:rPr lang="en-US" smtClean="0"/>
               <a:pPr/>
-              <a:t>6/25/20</a:t>
+              <a:t>7/13/20</a:t>
             </a:fld>
             <a:endParaRPr lang="en-US" dirty="0"/>
           </a:p>
@@ -1527,7 +1551,7 @@
           <p:nvPr>
             <p:extLst>
               <p:ext uri="{D42A27DB-BD31-4B8C-83A1-F6EECF244321}">
-                <p14:modId xmlns:p14="http://schemas.microsoft.com/office/powerpoint/2010/main" val="763312135"/>
+                <p14:modId xmlns:p14="http://schemas.microsoft.com/office/powerpoint/2010/main" val="3544621709"/>
               </p:ext>
             </p:extLst>
           </p:nvPr>

--- a/marketing/marketreports/office_snapshot_template.pptx
+++ b/marketing/marketreports/office_snapshot_template.pptx
@@ -142,13 +142,37 @@
 <file path=ppt/revisionInfo.xml><?xml version="1.0" encoding="utf-8"?>
 <p1510:revInfo xmlns:a="http://schemas.openxmlformats.org/drawingml/2006/main" xmlns:r="http://schemas.openxmlformats.org/officeDocument/2006/relationships" xmlns:p1510="http://schemas.microsoft.com/office/powerpoint/2015/10/main">
   <p1510:revLst>
-    <p1510:client id="{E2866FD1-FCFC-9343-B648-3B21845773F2}" v="2" dt="2020-07-13T14:16:04.195"/>
+    <p1510:client id="{66A7459F-9DAB-0F4E-98CD-3961DA14299F}" v="1" dt="2020-10-19T19:08:53.607"/>
   </p1510:revLst>
 </p1510:revInfo>
 </file>
 
 <file path=ppt/changesInfos/changesInfo1.xml><?xml version="1.0" encoding="utf-8"?>
 <pc:chgInfo xmlns:a="http://schemas.openxmlformats.org/drawingml/2006/main" xmlns:r="http://schemas.openxmlformats.org/officeDocument/2006/relationships" xmlns:ac="http://schemas.microsoft.com/office/drawing/2013/main/command" xmlns:pc="http://schemas.microsoft.com/office/powerpoint/2013/main/command">
+  <pc:docChgLst>
+    <pc:chgData name="Andrew Schnitkey" userId="4f2f6332d690fb8f" providerId="LiveId" clId="{66A7459F-9DAB-0F4E-98CD-3961DA14299F}"/>
+    <pc:docChg chg="modSld">
+      <pc:chgData name="Andrew Schnitkey" userId="4f2f6332d690fb8f" providerId="LiveId" clId="{66A7459F-9DAB-0F4E-98CD-3961DA14299F}" dt="2020-10-19T19:08:53.607" v="6" actId="5736"/>
+      <pc:docMkLst>
+        <pc:docMk/>
+      </pc:docMkLst>
+      <pc:sldChg chg="modSp mod">
+        <pc:chgData name="Andrew Schnitkey" userId="4f2f6332d690fb8f" providerId="LiveId" clId="{66A7459F-9DAB-0F4E-98CD-3961DA14299F}" dt="2020-10-19T19:08:53.607" v="6" actId="5736"/>
+        <pc:sldMkLst>
+          <pc:docMk/>
+          <pc:sldMk cId="769240779" sldId="3309"/>
+        </pc:sldMkLst>
+        <pc:graphicFrameChg chg="mod">
+          <ac:chgData name="Andrew Schnitkey" userId="4f2f6332d690fb8f" providerId="LiveId" clId="{66A7459F-9DAB-0F4E-98CD-3961DA14299F}" dt="2020-10-19T19:08:53.607" v="6" actId="5736"/>
+          <ac:graphicFrameMkLst>
+            <pc:docMk/>
+            <pc:sldMk cId="769240779" sldId="3309"/>
+            <ac:graphicFrameMk id="2" creationId="{AE554B24-EC4F-6245-BAC1-E1ED0E9FC0C4}"/>
+          </ac:graphicFrameMkLst>
+        </pc:graphicFrameChg>
+      </pc:sldChg>
+    </pc:docChg>
+  </pc:docChgLst>
   <pc:docChgLst>
     <pc:chgData name="Andrew Schnitkey" userId="4f2f6332d690fb8f" providerId="LiveId" clId="{E2866FD1-FCFC-9343-B648-3B21845773F2}"/>
     <pc:docChg chg="modSld">
@@ -253,19 +277,19 @@
               <c:strCache>
                 <c:ptCount val="5"/>
                 <c:pt idx="0">
-                  <c:v>Q2 2019</c:v>
+                  <c:v>Q3 2019</c:v>
                 </c:pt>
                 <c:pt idx="1">
-                  <c:v>Q3 2019</c:v>
+                  <c:v>Q4 2019</c:v>
                 </c:pt>
                 <c:pt idx="2">
-                  <c:v>Q4 2019</c:v>
+                  <c:v>Q1 2020</c:v>
                 </c:pt>
                 <c:pt idx="3">
-                  <c:v>Q1 2020</c:v>
+                  <c:v>Q2 2020</c:v>
                 </c:pt>
                 <c:pt idx="4">
-                  <c:v>Q2 2020</c:v>
+                  <c:v>Q3 2020</c:v>
                 </c:pt>
               </c:strCache>
             </c:strRef>
@@ -277,19 +301,19 @@
                 <c:formatCode>General</c:formatCode>
                 <c:ptCount val="5"/>
                 <c:pt idx="0">
-                  <c:v>-122000</c:v>
+                  <c:v>100000</c:v>
                 </c:pt>
                 <c:pt idx="1">
-                  <c:v>100000</c:v>
+                  <c:v>21000</c:v>
                 </c:pt>
                 <c:pt idx="2">
-                  <c:v>21000</c:v>
+                  <c:v>39000</c:v>
                 </c:pt>
                 <c:pt idx="3">
-                  <c:v>39000</c:v>
+                  <c:v>33000</c:v>
                 </c:pt>
                 <c:pt idx="4">
-                  <c:v>33000</c:v>
+                  <c:v>-141000</c:v>
                 </c:pt>
               </c:numCache>
             </c:numRef>
@@ -348,19 +372,19 @@
               <c:strCache>
                 <c:ptCount val="5"/>
                 <c:pt idx="0">
-                  <c:v>Q2 2019</c:v>
+                  <c:v>Q3 2019</c:v>
                 </c:pt>
                 <c:pt idx="1">
-                  <c:v>Q3 2019</c:v>
+                  <c:v>Q4 2019</c:v>
                 </c:pt>
                 <c:pt idx="2">
-                  <c:v>Q4 2019</c:v>
+                  <c:v>Q1 2020</c:v>
                 </c:pt>
                 <c:pt idx="3">
-                  <c:v>Q1 2020</c:v>
+                  <c:v>Q2 2020</c:v>
                 </c:pt>
                 <c:pt idx="4">
-                  <c:v>Q2 2020</c:v>
+                  <c:v>Q3 2020</c:v>
                 </c:pt>
               </c:strCache>
             </c:strRef>
@@ -375,16 +399,16 @@
                   <c:v>7.0999999999999994E-2</c:v>
                 </c:pt>
                 <c:pt idx="1">
-                  <c:v>7.0999999999999994E-2</c:v>
+                  <c:v>6.8000000000000005E-2</c:v>
                 </c:pt>
                 <c:pt idx="2">
-                  <c:v>6.8000000000000005E-2</c:v>
+                  <c:v>7.6999999999999999E-2</c:v>
                 </c:pt>
                 <c:pt idx="3">
-                  <c:v>7.6999999999999999E-2</c:v>
+                  <c:v>7.5999999999999998E-2</c:v>
                 </c:pt>
                 <c:pt idx="4">
-                  <c:v>7.5999999999999998E-2</c:v>
+                  <c:v>7.6999999999999999E-2</c:v>
                 </c:pt>
               </c:numCache>
             </c:numRef>
@@ -671,7 +695,7 @@
             <a:fld id="{EFC10EE1-B198-C942-8235-326C972CBB30}" type="datetimeFigureOut">
               <a:rPr lang="en-US" smtClean="0"/>
               <a:pPr/>
-              <a:t>7/13/20</a:t>
+              <a:t>10/19/20</a:t>
             </a:fld>
             <a:endParaRPr lang="en-US" dirty="0"/>
           </a:p>
@@ -1551,7 +1575,7 @@
           <p:nvPr>
             <p:extLst>
               <p:ext uri="{D42A27DB-BD31-4B8C-83A1-F6EECF244321}">
-                <p14:modId xmlns:p14="http://schemas.microsoft.com/office/powerpoint/2010/main" val="3544621709"/>
+                <p14:modId xmlns:p14="http://schemas.microsoft.com/office/powerpoint/2010/main" val="629978850"/>
               </p:ext>
             </p:extLst>
           </p:nvPr>

--- a/marketing/marketreports/office_snapshot_template.pptx
+++ b/marketing/marketreports/office_snapshot_template.pptx
@@ -150,30 +150,6 @@
 <file path=ppt/changesInfos/changesInfo1.xml><?xml version="1.0" encoding="utf-8"?>
 <pc:chgInfo xmlns:a="http://schemas.openxmlformats.org/drawingml/2006/main" xmlns:r="http://schemas.openxmlformats.org/officeDocument/2006/relationships" xmlns:ac="http://schemas.microsoft.com/office/drawing/2013/main/command" xmlns:pc="http://schemas.microsoft.com/office/powerpoint/2013/main/command">
   <pc:docChgLst>
-    <pc:chgData name="Andrew Schnitkey" userId="4f2f6332d690fb8f" providerId="LiveId" clId="{66A7459F-9DAB-0F4E-98CD-3961DA14299F}"/>
-    <pc:docChg chg="modSld">
-      <pc:chgData name="Andrew Schnitkey" userId="4f2f6332d690fb8f" providerId="LiveId" clId="{66A7459F-9DAB-0F4E-98CD-3961DA14299F}" dt="2020-10-19T19:08:53.607" v="6" actId="5736"/>
-      <pc:docMkLst>
-        <pc:docMk/>
-      </pc:docMkLst>
-      <pc:sldChg chg="modSp mod">
-        <pc:chgData name="Andrew Schnitkey" userId="4f2f6332d690fb8f" providerId="LiveId" clId="{66A7459F-9DAB-0F4E-98CD-3961DA14299F}" dt="2020-10-19T19:08:53.607" v="6" actId="5736"/>
-        <pc:sldMkLst>
-          <pc:docMk/>
-          <pc:sldMk cId="769240779" sldId="3309"/>
-        </pc:sldMkLst>
-        <pc:graphicFrameChg chg="mod">
-          <ac:chgData name="Andrew Schnitkey" userId="4f2f6332d690fb8f" providerId="LiveId" clId="{66A7459F-9DAB-0F4E-98CD-3961DA14299F}" dt="2020-10-19T19:08:53.607" v="6" actId="5736"/>
-          <ac:graphicFrameMkLst>
-            <pc:docMk/>
-            <pc:sldMk cId="769240779" sldId="3309"/>
-            <ac:graphicFrameMk id="2" creationId="{AE554B24-EC4F-6245-BAC1-E1ED0E9FC0C4}"/>
-          </ac:graphicFrameMkLst>
-        </pc:graphicFrameChg>
-      </pc:sldChg>
-    </pc:docChg>
-  </pc:docChgLst>
-  <pc:docChgLst>
     <pc:chgData name="Andrew Schnitkey" userId="4f2f6332d690fb8f" providerId="LiveId" clId="{E2866FD1-FCFC-9343-B648-3B21845773F2}"/>
     <pc:docChg chg="modSld">
       <pc:chgData name="Andrew Schnitkey" userId="4f2f6332d690fb8f" providerId="LiveId" clId="{E2866FD1-FCFC-9343-B648-3B21845773F2}" dt="2020-07-13T14:16:04.195" v="6" actId="5736"/>
@@ -210,6 +186,30 @@
           <pc:docMk/>
           <pc:sldMk cId="769240779" sldId="3309"/>
         </pc:sldMkLst>
+      </pc:sldChg>
+    </pc:docChg>
+  </pc:docChgLst>
+  <pc:docChgLst>
+    <pc:chgData name="Andrew Schnitkey" userId="4f2f6332d690fb8f" providerId="LiveId" clId="{66A7459F-9DAB-0F4E-98CD-3961DA14299F}"/>
+    <pc:docChg chg="modSld">
+      <pc:chgData name="Andrew Schnitkey" userId="4f2f6332d690fb8f" providerId="LiveId" clId="{66A7459F-9DAB-0F4E-98CD-3961DA14299F}" dt="2020-10-19T19:08:53.607" v="6" actId="5736"/>
+      <pc:docMkLst>
+        <pc:docMk/>
+      </pc:docMkLst>
+      <pc:sldChg chg="modSp mod">
+        <pc:chgData name="Andrew Schnitkey" userId="4f2f6332d690fb8f" providerId="LiveId" clId="{66A7459F-9DAB-0F4E-98CD-3961DA14299F}" dt="2020-10-19T19:08:53.607" v="6" actId="5736"/>
+        <pc:sldMkLst>
+          <pc:docMk/>
+          <pc:sldMk cId="769240779" sldId="3309"/>
+        </pc:sldMkLst>
+        <pc:graphicFrameChg chg="mod">
+          <ac:chgData name="Andrew Schnitkey" userId="4f2f6332d690fb8f" providerId="LiveId" clId="{66A7459F-9DAB-0F4E-98CD-3961DA14299F}" dt="2020-10-19T19:08:53.607" v="6" actId="5736"/>
+          <ac:graphicFrameMkLst>
+            <pc:docMk/>
+            <pc:sldMk cId="769240779" sldId="3309"/>
+            <ac:graphicFrameMk id="2" creationId="{AE554B24-EC4F-6245-BAC1-E1ED0E9FC0C4}"/>
+          </ac:graphicFrameMkLst>
+        </pc:graphicFrameChg>
       </pc:sldChg>
     </pc:docChg>
   </pc:docChgLst>
@@ -277,19 +277,19 @@
               <c:strCache>
                 <c:ptCount val="5"/>
                 <c:pt idx="0">
-                  <c:v>Q3 2019</c:v>
+                  <c:v>Q4 2019</c:v>
                 </c:pt>
                 <c:pt idx="1">
-                  <c:v>Q4 2019</c:v>
+                  <c:v>Q1 2020</c:v>
                 </c:pt>
                 <c:pt idx="2">
-                  <c:v>Q1 2020</c:v>
+                  <c:v>Q2 2020</c:v>
                 </c:pt>
                 <c:pt idx="3">
-                  <c:v>Q2 2020</c:v>
+                  <c:v>Q3 2020</c:v>
                 </c:pt>
                 <c:pt idx="4">
-                  <c:v>Q3 2020</c:v>
+                  <c:v>Q4 2020</c:v>
                 </c:pt>
               </c:strCache>
             </c:strRef>
@@ -301,19 +301,19 @@
                 <c:formatCode>General</c:formatCode>
                 <c:ptCount val="5"/>
                 <c:pt idx="0">
-                  <c:v>100000</c:v>
+                  <c:v>21000</c:v>
                 </c:pt>
                 <c:pt idx="1">
-                  <c:v>21000</c:v>
+                  <c:v>39000</c:v>
                 </c:pt>
                 <c:pt idx="2">
-                  <c:v>39000</c:v>
+                  <c:v>33000</c:v>
                 </c:pt>
                 <c:pt idx="3">
-                  <c:v>33000</c:v>
+                  <c:v>-141000</c:v>
                 </c:pt>
                 <c:pt idx="4">
-                  <c:v>-141000</c:v>
+                  <c:v>-700000</c:v>
                 </c:pt>
               </c:numCache>
             </c:numRef>
@@ -372,19 +372,19 @@
               <c:strCache>
                 <c:ptCount val="5"/>
                 <c:pt idx="0">
-                  <c:v>Q3 2019</c:v>
+                  <c:v>Q4 2019</c:v>
                 </c:pt>
                 <c:pt idx="1">
-                  <c:v>Q4 2019</c:v>
+                  <c:v>Q1 2020</c:v>
                 </c:pt>
                 <c:pt idx="2">
-                  <c:v>Q1 2020</c:v>
+                  <c:v>Q2 2020</c:v>
                 </c:pt>
                 <c:pt idx="3">
-                  <c:v>Q2 2020</c:v>
+                  <c:v>Q3 2020</c:v>
                 </c:pt>
                 <c:pt idx="4">
-                  <c:v>Q3 2020</c:v>
+                  <c:v>Q4 2020</c:v>
                 </c:pt>
               </c:strCache>
             </c:strRef>
@@ -396,19 +396,19 @@
                 <c:formatCode>0.00%</c:formatCode>
                 <c:ptCount val="5"/>
                 <c:pt idx="0">
-                  <c:v>7.0999999999999994E-2</c:v>
+                  <c:v>6.8000000000000005E-2</c:v>
                 </c:pt>
                 <c:pt idx="1">
-                  <c:v>6.8000000000000005E-2</c:v>
+                  <c:v>7.6999999999999999E-2</c:v>
                 </c:pt>
                 <c:pt idx="2">
+                  <c:v>7.5999999999999998E-2</c:v>
+                </c:pt>
+                <c:pt idx="3">
                   <c:v>7.6999999999999999E-2</c:v>
                 </c:pt>
-                <c:pt idx="3">
-                  <c:v>7.5999999999999998E-2</c:v>
-                </c:pt>
                 <c:pt idx="4">
-                  <c:v>7.6999999999999999E-2</c:v>
+                  <c:v>0.08</c:v>
                 </c:pt>
               </c:numCache>
             </c:numRef>
@@ -534,8 +534,8 @@
         <c:axId val="654996592"/>
         <c:scaling>
           <c:orientation val="minMax"/>
-          <c:max val="8.0000000000000016E-2"/>
-          <c:min val="6.0000000000000012E-2"/>
+          <c:max val="8.500000000000002E-2"/>
+          <c:min val="6.5000000000000016E-2"/>
         </c:scaling>
         <c:delete val="0"/>
         <c:axPos val="r"/>
@@ -695,7 +695,7 @@
             <a:fld id="{EFC10EE1-B198-C942-8235-326C972CBB30}" type="datetimeFigureOut">
               <a:rPr lang="en-US" smtClean="0"/>
               <a:pPr/>
-              <a:t>10/19/20</a:t>
+              <a:t>3/9/21</a:t>
             </a:fld>
             <a:endParaRPr lang="en-US" dirty="0"/>
           </a:p>
@@ -1575,7 +1575,7 @@
           <p:nvPr>
             <p:extLst>
               <p:ext uri="{D42A27DB-BD31-4B8C-83A1-F6EECF244321}">
-                <p14:modId xmlns:p14="http://schemas.microsoft.com/office/powerpoint/2010/main" val="629978850"/>
+                <p14:modId xmlns:p14="http://schemas.microsoft.com/office/powerpoint/2010/main" val="1905440821"/>
               </p:ext>
             </p:extLst>
           </p:nvPr>

--- a/marketing/marketreports/office_snapshot_template.pptx
+++ b/marketing/marketreports/office_snapshot_template.pptx
@@ -142,13 +142,37 @@
 <file path=ppt/revisionInfo.xml><?xml version="1.0" encoding="utf-8"?>
 <p1510:revInfo xmlns:a="http://schemas.openxmlformats.org/drawingml/2006/main" xmlns:r="http://schemas.openxmlformats.org/officeDocument/2006/relationships" xmlns:p1510="http://schemas.microsoft.com/office/powerpoint/2015/10/main">
   <p1510:revLst>
-    <p1510:client id="{66A7459F-9DAB-0F4E-98CD-3961DA14299F}" v="1" dt="2020-10-19T19:08:53.607"/>
+    <p1510:client id="{39C64E3B-63D3-B745-8E00-626C34BC00D9}" v="3" dt="2021-05-13T17:49:14.112"/>
   </p1510:revLst>
 </p1510:revInfo>
 </file>
 
 <file path=ppt/changesInfos/changesInfo1.xml><?xml version="1.0" encoding="utf-8"?>
 <pc:chgInfo xmlns:a="http://schemas.openxmlformats.org/drawingml/2006/main" xmlns:r="http://schemas.openxmlformats.org/officeDocument/2006/relationships" xmlns:ac="http://schemas.microsoft.com/office/drawing/2013/main/command" xmlns:pc="http://schemas.microsoft.com/office/powerpoint/2013/main/command">
+  <pc:docChgLst>
+    <pc:chgData name="Andrew Schnitkey" userId="4f2f6332d690fb8f" providerId="LiveId" clId="{66A7459F-9DAB-0F4E-98CD-3961DA14299F}"/>
+    <pc:docChg chg="modSld">
+      <pc:chgData name="Andrew Schnitkey" userId="4f2f6332d690fb8f" providerId="LiveId" clId="{66A7459F-9DAB-0F4E-98CD-3961DA14299F}" dt="2020-10-19T19:08:53.607" v="6" actId="5736"/>
+      <pc:docMkLst>
+        <pc:docMk/>
+      </pc:docMkLst>
+      <pc:sldChg chg="modSp mod">
+        <pc:chgData name="Andrew Schnitkey" userId="4f2f6332d690fb8f" providerId="LiveId" clId="{66A7459F-9DAB-0F4E-98CD-3961DA14299F}" dt="2020-10-19T19:08:53.607" v="6" actId="5736"/>
+        <pc:sldMkLst>
+          <pc:docMk/>
+          <pc:sldMk cId="769240779" sldId="3309"/>
+        </pc:sldMkLst>
+        <pc:graphicFrameChg chg="mod">
+          <ac:chgData name="Andrew Schnitkey" userId="4f2f6332d690fb8f" providerId="LiveId" clId="{66A7459F-9DAB-0F4E-98CD-3961DA14299F}" dt="2020-10-19T19:08:53.607" v="6" actId="5736"/>
+          <ac:graphicFrameMkLst>
+            <pc:docMk/>
+            <pc:sldMk cId="769240779" sldId="3309"/>
+            <ac:graphicFrameMk id="2" creationId="{AE554B24-EC4F-6245-BAC1-E1ED0E9FC0C4}"/>
+          </ac:graphicFrameMkLst>
+        </pc:graphicFrameChg>
+      </pc:sldChg>
+    </pc:docChg>
+  </pc:docChgLst>
   <pc:docChgLst>
     <pc:chgData name="Andrew Schnitkey" userId="4f2f6332d690fb8f" providerId="LiveId" clId="{E2866FD1-FCFC-9343-B648-3B21845773F2}"/>
     <pc:docChg chg="modSld">
@@ -174,6 +198,30 @@
     </pc:docChg>
   </pc:docChgLst>
   <pc:docChgLst>
+    <pc:chgData name="Andrew Schnitkey" userId="4f2f6332d690fb8f" providerId="LiveId" clId="{39C64E3B-63D3-B745-8E00-626C34BC00D9}"/>
+    <pc:docChg chg="modSld">
+      <pc:chgData name="Andrew Schnitkey" userId="4f2f6332d690fb8f" providerId="LiveId" clId="{39C64E3B-63D3-B745-8E00-626C34BC00D9}" dt="2021-05-13T17:49:14.112" v="6" actId="5736"/>
+      <pc:docMkLst>
+        <pc:docMk/>
+      </pc:docMkLst>
+      <pc:sldChg chg="modSp mod">
+        <pc:chgData name="Andrew Schnitkey" userId="4f2f6332d690fb8f" providerId="LiveId" clId="{39C64E3B-63D3-B745-8E00-626C34BC00D9}" dt="2021-05-13T17:49:14.112" v="6" actId="5736"/>
+        <pc:sldMkLst>
+          <pc:docMk/>
+          <pc:sldMk cId="769240779" sldId="3309"/>
+        </pc:sldMkLst>
+        <pc:graphicFrameChg chg="mod">
+          <ac:chgData name="Andrew Schnitkey" userId="4f2f6332d690fb8f" providerId="LiveId" clId="{39C64E3B-63D3-B745-8E00-626C34BC00D9}" dt="2021-05-13T17:49:14.112" v="6" actId="5736"/>
+          <ac:graphicFrameMkLst>
+            <pc:docMk/>
+            <pc:sldMk cId="769240779" sldId="3309"/>
+            <ac:graphicFrameMk id="2" creationId="{AE554B24-EC4F-6245-BAC1-E1ED0E9FC0C4}"/>
+          </ac:graphicFrameMkLst>
+        </pc:graphicFrameChg>
+      </pc:sldChg>
+    </pc:docChg>
+  </pc:docChgLst>
+  <pc:docChgLst>
     <pc:chgData name="Andrew Schnitkey" userId="4f2f6332d690fb8f" providerId="LiveId" clId="{B1B4E555-184B-354B-B38A-39DC2074C8AE}"/>
     <pc:docChg chg="modSld">
       <pc:chgData name="Andrew Schnitkey" userId="4f2f6332d690fb8f" providerId="LiveId" clId="{B1B4E555-184B-354B-B38A-39DC2074C8AE}" dt="2020-06-25T15:25:40.225" v="1" actId="27918"/>
@@ -186,30 +234,6 @@
           <pc:docMk/>
           <pc:sldMk cId="769240779" sldId="3309"/>
         </pc:sldMkLst>
-      </pc:sldChg>
-    </pc:docChg>
-  </pc:docChgLst>
-  <pc:docChgLst>
-    <pc:chgData name="Andrew Schnitkey" userId="4f2f6332d690fb8f" providerId="LiveId" clId="{66A7459F-9DAB-0F4E-98CD-3961DA14299F}"/>
-    <pc:docChg chg="modSld">
-      <pc:chgData name="Andrew Schnitkey" userId="4f2f6332d690fb8f" providerId="LiveId" clId="{66A7459F-9DAB-0F4E-98CD-3961DA14299F}" dt="2020-10-19T19:08:53.607" v="6" actId="5736"/>
-      <pc:docMkLst>
-        <pc:docMk/>
-      </pc:docMkLst>
-      <pc:sldChg chg="modSp mod">
-        <pc:chgData name="Andrew Schnitkey" userId="4f2f6332d690fb8f" providerId="LiveId" clId="{66A7459F-9DAB-0F4E-98CD-3961DA14299F}" dt="2020-10-19T19:08:53.607" v="6" actId="5736"/>
-        <pc:sldMkLst>
-          <pc:docMk/>
-          <pc:sldMk cId="769240779" sldId="3309"/>
-        </pc:sldMkLst>
-        <pc:graphicFrameChg chg="mod">
-          <ac:chgData name="Andrew Schnitkey" userId="4f2f6332d690fb8f" providerId="LiveId" clId="{66A7459F-9DAB-0F4E-98CD-3961DA14299F}" dt="2020-10-19T19:08:53.607" v="6" actId="5736"/>
-          <ac:graphicFrameMkLst>
-            <pc:docMk/>
-            <pc:sldMk cId="769240779" sldId="3309"/>
-            <ac:graphicFrameMk id="2" creationId="{AE554B24-EC4F-6245-BAC1-E1ED0E9FC0C4}"/>
-          </ac:graphicFrameMkLst>
-        </pc:graphicFrameChg>
       </pc:sldChg>
     </pc:docChg>
   </pc:docChgLst>
@@ -277,19 +301,19 @@
               <c:strCache>
                 <c:ptCount val="5"/>
                 <c:pt idx="0">
-                  <c:v>Q4 2019</c:v>
+                  <c:v>Q1 2020</c:v>
                 </c:pt>
                 <c:pt idx="1">
-                  <c:v>Q1 2020</c:v>
+                  <c:v>Q2 2020</c:v>
                 </c:pt>
                 <c:pt idx="2">
-                  <c:v>Q2 2020</c:v>
+                  <c:v>Q3 2020</c:v>
                 </c:pt>
                 <c:pt idx="3">
-                  <c:v>Q3 2020</c:v>
+                  <c:v>Q4 2020</c:v>
                 </c:pt>
                 <c:pt idx="4">
-                  <c:v>Q4 2020</c:v>
+                  <c:v>Q1 2021</c:v>
                 </c:pt>
               </c:strCache>
             </c:strRef>
@@ -301,19 +325,19 @@
                 <c:formatCode>General</c:formatCode>
                 <c:ptCount val="5"/>
                 <c:pt idx="0">
-                  <c:v>21000</c:v>
+                  <c:v>39000</c:v>
                 </c:pt>
                 <c:pt idx="1">
-                  <c:v>39000</c:v>
+                  <c:v>33000</c:v>
                 </c:pt>
                 <c:pt idx="2">
-                  <c:v>33000</c:v>
+                  <c:v>-141000</c:v>
                 </c:pt>
                 <c:pt idx="3">
-                  <c:v>-141000</c:v>
+                  <c:v>-700000</c:v>
                 </c:pt>
                 <c:pt idx="4">
-                  <c:v>-700000</c:v>
+                  <c:v>-1300000</c:v>
                 </c:pt>
               </c:numCache>
             </c:numRef>
@@ -372,19 +396,19 @@
               <c:strCache>
                 <c:ptCount val="5"/>
                 <c:pt idx="0">
-                  <c:v>Q4 2019</c:v>
+                  <c:v>Q1 2020</c:v>
                 </c:pt>
                 <c:pt idx="1">
-                  <c:v>Q1 2020</c:v>
+                  <c:v>Q2 2020</c:v>
                 </c:pt>
                 <c:pt idx="2">
-                  <c:v>Q2 2020</c:v>
+                  <c:v>Q3 2020</c:v>
                 </c:pt>
                 <c:pt idx="3">
-                  <c:v>Q3 2020</c:v>
+                  <c:v>Q4 2020</c:v>
                 </c:pt>
                 <c:pt idx="4">
-                  <c:v>Q4 2020</c:v>
+                  <c:v>Q1 2021</c:v>
                 </c:pt>
               </c:strCache>
             </c:strRef>
@@ -396,19 +420,19 @@
                 <c:formatCode>0.00%</c:formatCode>
                 <c:ptCount val="5"/>
                 <c:pt idx="0">
-                  <c:v>6.8000000000000005E-2</c:v>
+                  <c:v>7.6999999999999999E-2</c:v>
                 </c:pt>
                 <c:pt idx="1">
+                  <c:v>7.5999999999999998E-2</c:v>
+                </c:pt>
+                <c:pt idx="2">
                   <c:v>7.6999999999999999E-2</c:v>
                 </c:pt>
-                <c:pt idx="2">
-                  <c:v>7.5999999999999998E-2</c:v>
-                </c:pt>
                 <c:pt idx="3">
-                  <c:v>7.6999999999999999E-2</c:v>
+                  <c:v>0.08</c:v>
                 </c:pt>
                 <c:pt idx="4">
-                  <c:v>0.08</c:v>
+                  <c:v>9.2999999999999999E-2</c:v>
                 </c:pt>
               </c:numCache>
             </c:numRef>
@@ -534,8 +558,8 @@
         <c:axId val="654996592"/>
         <c:scaling>
           <c:orientation val="minMax"/>
-          <c:max val="8.500000000000002E-2"/>
-          <c:min val="6.5000000000000016E-2"/>
+          <c:max val="9.5000000000000029E-2"/>
+          <c:min val="7.5000000000000011E-2"/>
         </c:scaling>
         <c:delete val="0"/>
         <c:axPos val="r"/>
@@ -695,7 +719,7 @@
             <a:fld id="{EFC10EE1-B198-C942-8235-326C972CBB30}" type="datetimeFigureOut">
               <a:rPr lang="en-US" smtClean="0"/>
               <a:pPr/>
-              <a:t>3/9/21</a:t>
+              <a:t>5/13/21</a:t>
             </a:fld>
             <a:endParaRPr lang="en-US" dirty="0"/>
           </a:p>
@@ -1575,7 +1599,7 @@
           <p:nvPr>
             <p:extLst>
               <p:ext uri="{D42A27DB-BD31-4B8C-83A1-F6EECF244321}">
-                <p14:modId xmlns:p14="http://schemas.microsoft.com/office/powerpoint/2010/main" val="1905440821"/>
+                <p14:modId xmlns:p14="http://schemas.microsoft.com/office/powerpoint/2010/main" val="764095208"/>
               </p:ext>
             </p:extLst>
           </p:nvPr>

--- a/marketing/marketreports/office_snapshot_template.pptx
+++ b/marketing/marketreports/office_snapshot_template.pptx
@@ -142,7 +142,7 @@
 <file path=ppt/revisionInfo.xml><?xml version="1.0" encoding="utf-8"?>
 <p1510:revInfo xmlns:a="http://schemas.openxmlformats.org/drawingml/2006/main" xmlns:r="http://schemas.openxmlformats.org/officeDocument/2006/relationships" xmlns:p1510="http://schemas.microsoft.com/office/powerpoint/2015/10/main">
   <p1510:revLst>
-    <p1510:client id="{39C64E3B-63D3-B745-8E00-626C34BC00D9}" v="3" dt="2021-05-13T17:49:14.112"/>
+    <p1510:client id="{10C6DEE4-4824-EA40-AFD5-957C24B1BA1E}" v="4" dt="2021-07-28T15:35:28.915"/>
   </p1510:revLst>
 </p1510:revInfo>
 </file>
@@ -164,6 +164,30 @@
         </pc:sldMkLst>
         <pc:graphicFrameChg chg="mod">
           <ac:chgData name="Andrew Schnitkey" userId="4f2f6332d690fb8f" providerId="LiveId" clId="{66A7459F-9DAB-0F4E-98CD-3961DA14299F}" dt="2020-10-19T19:08:53.607" v="6" actId="5736"/>
+          <ac:graphicFrameMkLst>
+            <pc:docMk/>
+            <pc:sldMk cId="769240779" sldId="3309"/>
+            <ac:graphicFrameMk id="2" creationId="{AE554B24-EC4F-6245-BAC1-E1ED0E9FC0C4}"/>
+          </ac:graphicFrameMkLst>
+        </pc:graphicFrameChg>
+      </pc:sldChg>
+    </pc:docChg>
+  </pc:docChgLst>
+  <pc:docChgLst>
+    <pc:chgData name="Andrew Schnitkey" userId="4f2f6332d690fb8f" providerId="LiveId" clId="{10C6DEE4-4824-EA40-AFD5-957C24B1BA1E}"/>
+    <pc:docChg chg="modSld">
+      <pc:chgData name="Andrew Schnitkey" userId="4f2f6332d690fb8f" providerId="LiveId" clId="{10C6DEE4-4824-EA40-AFD5-957C24B1BA1E}" dt="2021-07-28T15:35:28.914" v="13" actId="5736"/>
+      <pc:docMkLst>
+        <pc:docMk/>
+      </pc:docMkLst>
+      <pc:sldChg chg="modSp mod">
+        <pc:chgData name="Andrew Schnitkey" userId="4f2f6332d690fb8f" providerId="LiveId" clId="{10C6DEE4-4824-EA40-AFD5-957C24B1BA1E}" dt="2021-07-28T15:35:28.914" v="13" actId="5736"/>
+        <pc:sldMkLst>
+          <pc:docMk/>
+          <pc:sldMk cId="769240779" sldId="3309"/>
+        </pc:sldMkLst>
+        <pc:graphicFrameChg chg="mod">
+          <ac:chgData name="Andrew Schnitkey" userId="4f2f6332d690fb8f" providerId="LiveId" clId="{10C6DEE4-4824-EA40-AFD5-957C24B1BA1E}" dt="2021-07-28T15:35:28.914" v="13" actId="5736"/>
           <ac:graphicFrameMkLst>
             <pc:docMk/>
             <pc:sldMk cId="769240779" sldId="3309"/>
@@ -301,19 +325,19 @@
               <c:strCache>
                 <c:ptCount val="5"/>
                 <c:pt idx="0">
-                  <c:v>Q1 2020</c:v>
+                  <c:v>Q2 2020</c:v>
                 </c:pt>
                 <c:pt idx="1">
-                  <c:v>Q2 2020</c:v>
+                  <c:v>Q3 2020</c:v>
                 </c:pt>
                 <c:pt idx="2">
-                  <c:v>Q3 2020</c:v>
+                  <c:v>Q4 2020</c:v>
                 </c:pt>
                 <c:pt idx="3">
-                  <c:v>Q4 2020</c:v>
+                  <c:v>Q1 2021</c:v>
                 </c:pt>
                 <c:pt idx="4">
-                  <c:v>Q1 2021</c:v>
+                  <c:v>Q2 2021</c:v>
                 </c:pt>
               </c:strCache>
             </c:strRef>
@@ -325,19 +349,19 @@
                 <c:formatCode>General</c:formatCode>
                 <c:ptCount val="5"/>
                 <c:pt idx="0">
-                  <c:v>39000</c:v>
+                  <c:v>33000</c:v>
                 </c:pt>
                 <c:pt idx="1">
-                  <c:v>33000</c:v>
+                  <c:v>-141000</c:v>
                 </c:pt>
                 <c:pt idx="2">
-                  <c:v>-141000</c:v>
+                  <c:v>-700000</c:v>
                 </c:pt>
                 <c:pt idx="3">
-                  <c:v>-700000</c:v>
+                  <c:v>-1300000</c:v>
                 </c:pt>
                 <c:pt idx="4">
-                  <c:v>-1300000</c:v>
+                  <c:v>-1400000</c:v>
                 </c:pt>
               </c:numCache>
             </c:numRef>
@@ -396,19 +420,19 @@
               <c:strCache>
                 <c:ptCount val="5"/>
                 <c:pt idx="0">
-                  <c:v>Q1 2020</c:v>
+                  <c:v>Q2 2020</c:v>
                 </c:pt>
                 <c:pt idx="1">
-                  <c:v>Q2 2020</c:v>
+                  <c:v>Q3 2020</c:v>
                 </c:pt>
                 <c:pt idx="2">
-                  <c:v>Q3 2020</c:v>
+                  <c:v>Q4 2020</c:v>
                 </c:pt>
                 <c:pt idx="3">
-                  <c:v>Q4 2020</c:v>
+                  <c:v>Q1 2021</c:v>
                 </c:pt>
                 <c:pt idx="4">
-                  <c:v>Q1 2021</c:v>
+                  <c:v>Q2 2021</c:v>
                 </c:pt>
               </c:strCache>
             </c:strRef>
@@ -420,19 +444,19 @@
                 <c:formatCode>0.00%</c:formatCode>
                 <c:ptCount val="5"/>
                 <c:pt idx="0">
+                  <c:v>7.5999999999999998E-2</c:v>
+                </c:pt>
+                <c:pt idx="1">
                   <c:v>7.6999999999999999E-2</c:v>
                 </c:pt>
-                <c:pt idx="1">
-                  <c:v>7.5999999999999998E-2</c:v>
-                </c:pt>
                 <c:pt idx="2">
-                  <c:v>7.6999999999999999E-2</c:v>
+                  <c:v>0.08</c:v>
                 </c:pt>
                 <c:pt idx="3">
-                  <c:v>0.08</c:v>
+                  <c:v>9.2999999999999999E-2</c:v>
                 </c:pt>
                 <c:pt idx="4">
-                  <c:v>9.2999999999999999E-2</c:v>
+                  <c:v>9.5000000000000001E-2</c:v>
                 </c:pt>
               </c:numCache>
             </c:numRef>
@@ -558,7 +582,7 @@
         <c:axId val="654996592"/>
         <c:scaling>
           <c:orientation val="minMax"/>
-          <c:max val="9.5000000000000029E-2"/>
+          <c:max val="9.600000000000003E-2"/>
           <c:min val="7.5000000000000011E-2"/>
         </c:scaling>
         <c:delete val="0"/>
@@ -719,7 +743,7 @@
             <a:fld id="{EFC10EE1-B198-C942-8235-326C972CBB30}" type="datetimeFigureOut">
               <a:rPr lang="en-US" smtClean="0"/>
               <a:pPr/>
-              <a:t>5/13/21</a:t>
+              <a:t>7/28/21</a:t>
             </a:fld>
             <a:endParaRPr lang="en-US" dirty="0"/>
           </a:p>
@@ -1599,7 +1623,7 @@
           <p:nvPr>
             <p:extLst>
               <p:ext uri="{D42A27DB-BD31-4B8C-83A1-F6EECF244321}">
-                <p14:modId xmlns:p14="http://schemas.microsoft.com/office/powerpoint/2010/main" val="764095208"/>
+                <p14:modId xmlns:p14="http://schemas.microsoft.com/office/powerpoint/2010/main" val="2816693311"/>
               </p:ext>
             </p:extLst>
           </p:nvPr>

--- a/marketing/marketreports/office_snapshot_template.pptx
+++ b/marketing/marketreports/office_snapshot_template.pptx
@@ -142,7 +142,7 @@
 <file path=ppt/revisionInfo.xml><?xml version="1.0" encoding="utf-8"?>
 <p1510:revInfo xmlns:a="http://schemas.openxmlformats.org/drawingml/2006/main" xmlns:r="http://schemas.openxmlformats.org/officeDocument/2006/relationships" xmlns:p1510="http://schemas.microsoft.com/office/powerpoint/2015/10/main">
   <p1510:revLst>
-    <p1510:client id="{10C6DEE4-4824-EA40-AFD5-957C24B1BA1E}" v="4" dt="2021-07-28T15:35:28.915"/>
+    <p1510:client id="{C07B082B-33A2-314E-A303-C50E13FCED95}" v="1" dt="2021-10-20T15:29:57.956"/>
   </p1510:revLst>
 </p1510:revInfo>
 </file>
@@ -150,20 +150,36 @@
 <file path=ppt/changesInfos/changesInfo1.xml><?xml version="1.0" encoding="utf-8"?>
 <pc:chgInfo xmlns:a="http://schemas.openxmlformats.org/drawingml/2006/main" xmlns:r="http://schemas.openxmlformats.org/officeDocument/2006/relationships" xmlns:ac="http://schemas.microsoft.com/office/drawing/2013/main/command" xmlns:pc="http://schemas.microsoft.com/office/powerpoint/2013/main/command">
   <pc:docChgLst>
-    <pc:chgData name="Andrew Schnitkey" userId="4f2f6332d690fb8f" providerId="LiveId" clId="{66A7459F-9DAB-0F4E-98CD-3961DA14299F}"/>
+    <pc:chgData name="Andrew Schnitkey" userId="4f2f6332d690fb8f" providerId="LiveId" clId="{B1B4E555-184B-354B-B38A-39DC2074C8AE}"/>
     <pc:docChg chg="modSld">
-      <pc:chgData name="Andrew Schnitkey" userId="4f2f6332d690fb8f" providerId="LiveId" clId="{66A7459F-9DAB-0F4E-98CD-3961DA14299F}" dt="2020-10-19T19:08:53.607" v="6" actId="5736"/>
+      <pc:chgData name="Andrew Schnitkey" userId="4f2f6332d690fb8f" providerId="LiveId" clId="{B1B4E555-184B-354B-B38A-39DC2074C8AE}" dt="2020-06-25T15:25:40.225" v="1" actId="27918"/>
+      <pc:docMkLst>
+        <pc:docMk/>
+      </pc:docMkLst>
+      <pc:sldChg chg="mod">
+        <pc:chgData name="Andrew Schnitkey" userId="4f2f6332d690fb8f" providerId="LiveId" clId="{B1B4E555-184B-354B-B38A-39DC2074C8AE}" dt="2020-06-25T15:25:40.225" v="1" actId="27918"/>
+        <pc:sldMkLst>
+          <pc:docMk/>
+          <pc:sldMk cId="769240779" sldId="3309"/>
+        </pc:sldMkLst>
+      </pc:sldChg>
+    </pc:docChg>
+  </pc:docChgLst>
+  <pc:docChgLst>
+    <pc:chgData name="Andrew Schnitkey" userId="4f2f6332d690fb8f" providerId="LiveId" clId="{39C64E3B-63D3-B745-8E00-626C34BC00D9}"/>
+    <pc:docChg chg="modSld">
+      <pc:chgData name="Andrew Schnitkey" userId="4f2f6332d690fb8f" providerId="LiveId" clId="{39C64E3B-63D3-B745-8E00-626C34BC00D9}" dt="2021-05-13T17:49:14.112" v="6" actId="5736"/>
       <pc:docMkLst>
         <pc:docMk/>
       </pc:docMkLst>
       <pc:sldChg chg="modSp mod">
-        <pc:chgData name="Andrew Schnitkey" userId="4f2f6332d690fb8f" providerId="LiveId" clId="{66A7459F-9DAB-0F4E-98CD-3961DA14299F}" dt="2020-10-19T19:08:53.607" v="6" actId="5736"/>
+        <pc:chgData name="Andrew Schnitkey" userId="4f2f6332d690fb8f" providerId="LiveId" clId="{39C64E3B-63D3-B745-8E00-626C34BC00D9}" dt="2021-05-13T17:49:14.112" v="6" actId="5736"/>
         <pc:sldMkLst>
           <pc:docMk/>
           <pc:sldMk cId="769240779" sldId="3309"/>
         </pc:sldMkLst>
         <pc:graphicFrameChg chg="mod">
-          <ac:chgData name="Andrew Schnitkey" userId="4f2f6332d690fb8f" providerId="LiveId" clId="{66A7459F-9DAB-0F4E-98CD-3961DA14299F}" dt="2020-10-19T19:08:53.607" v="6" actId="5736"/>
+          <ac:chgData name="Andrew Schnitkey" userId="4f2f6332d690fb8f" providerId="LiveId" clId="{39C64E3B-63D3-B745-8E00-626C34BC00D9}" dt="2021-05-13T17:49:14.112" v="6" actId="5736"/>
           <ac:graphicFrameMkLst>
             <pc:docMk/>
             <pc:sldMk cId="769240779" sldId="3309"/>
@@ -198,6 +214,30 @@
     </pc:docChg>
   </pc:docChgLst>
   <pc:docChgLst>
+    <pc:chgData name="Andrew Schnitkey" userId="4f2f6332d690fb8f" providerId="LiveId" clId="{C07B082B-33A2-314E-A303-C50E13FCED95}"/>
+    <pc:docChg chg="modSld">
+      <pc:chgData name="Andrew Schnitkey" userId="4f2f6332d690fb8f" providerId="LiveId" clId="{C07B082B-33A2-314E-A303-C50E13FCED95}" dt="2021-10-20T15:29:57.956" v="6" actId="5736"/>
+      <pc:docMkLst>
+        <pc:docMk/>
+      </pc:docMkLst>
+      <pc:sldChg chg="modSp mod">
+        <pc:chgData name="Andrew Schnitkey" userId="4f2f6332d690fb8f" providerId="LiveId" clId="{C07B082B-33A2-314E-A303-C50E13FCED95}" dt="2021-10-20T15:29:57.956" v="6" actId="5736"/>
+        <pc:sldMkLst>
+          <pc:docMk/>
+          <pc:sldMk cId="769240779" sldId="3309"/>
+        </pc:sldMkLst>
+        <pc:graphicFrameChg chg="mod">
+          <ac:chgData name="Andrew Schnitkey" userId="4f2f6332d690fb8f" providerId="LiveId" clId="{C07B082B-33A2-314E-A303-C50E13FCED95}" dt="2021-10-20T15:29:57.956" v="6" actId="5736"/>
+          <ac:graphicFrameMkLst>
+            <pc:docMk/>
+            <pc:sldMk cId="769240779" sldId="3309"/>
+            <ac:graphicFrameMk id="2" creationId="{AE554B24-EC4F-6245-BAC1-E1ED0E9FC0C4}"/>
+          </ac:graphicFrameMkLst>
+        </pc:graphicFrameChg>
+      </pc:sldChg>
+    </pc:docChg>
+  </pc:docChgLst>
+  <pc:docChgLst>
     <pc:chgData name="Andrew Schnitkey" userId="4f2f6332d690fb8f" providerId="LiveId" clId="{E2866FD1-FCFC-9343-B648-3B21845773F2}"/>
     <pc:docChg chg="modSld">
       <pc:chgData name="Andrew Schnitkey" userId="4f2f6332d690fb8f" providerId="LiveId" clId="{E2866FD1-FCFC-9343-B648-3B21845773F2}" dt="2020-07-13T14:16:04.195" v="6" actId="5736"/>
@@ -222,42 +262,26 @@
     </pc:docChg>
   </pc:docChgLst>
   <pc:docChgLst>
-    <pc:chgData name="Andrew Schnitkey" userId="4f2f6332d690fb8f" providerId="LiveId" clId="{39C64E3B-63D3-B745-8E00-626C34BC00D9}"/>
+    <pc:chgData name="Andrew Schnitkey" userId="4f2f6332d690fb8f" providerId="LiveId" clId="{66A7459F-9DAB-0F4E-98CD-3961DA14299F}"/>
     <pc:docChg chg="modSld">
-      <pc:chgData name="Andrew Schnitkey" userId="4f2f6332d690fb8f" providerId="LiveId" clId="{39C64E3B-63D3-B745-8E00-626C34BC00D9}" dt="2021-05-13T17:49:14.112" v="6" actId="5736"/>
+      <pc:chgData name="Andrew Schnitkey" userId="4f2f6332d690fb8f" providerId="LiveId" clId="{66A7459F-9DAB-0F4E-98CD-3961DA14299F}" dt="2020-10-19T19:08:53.607" v="6" actId="5736"/>
       <pc:docMkLst>
         <pc:docMk/>
       </pc:docMkLst>
       <pc:sldChg chg="modSp mod">
-        <pc:chgData name="Andrew Schnitkey" userId="4f2f6332d690fb8f" providerId="LiveId" clId="{39C64E3B-63D3-B745-8E00-626C34BC00D9}" dt="2021-05-13T17:49:14.112" v="6" actId="5736"/>
+        <pc:chgData name="Andrew Schnitkey" userId="4f2f6332d690fb8f" providerId="LiveId" clId="{66A7459F-9DAB-0F4E-98CD-3961DA14299F}" dt="2020-10-19T19:08:53.607" v="6" actId="5736"/>
         <pc:sldMkLst>
           <pc:docMk/>
           <pc:sldMk cId="769240779" sldId="3309"/>
         </pc:sldMkLst>
         <pc:graphicFrameChg chg="mod">
-          <ac:chgData name="Andrew Schnitkey" userId="4f2f6332d690fb8f" providerId="LiveId" clId="{39C64E3B-63D3-B745-8E00-626C34BC00D9}" dt="2021-05-13T17:49:14.112" v="6" actId="5736"/>
+          <ac:chgData name="Andrew Schnitkey" userId="4f2f6332d690fb8f" providerId="LiveId" clId="{66A7459F-9DAB-0F4E-98CD-3961DA14299F}" dt="2020-10-19T19:08:53.607" v="6" actId="5736"/>
           <ac:graphicFrameMkLst>
             <pc:docMk/>
             <pc:sldMk cId="769240779" sldId="3309"/>
             <ac:graphicFrameMk id="2" creationId="{AE554B24-EC4F-6245-BAC1-E1ED0E9FC0C4}"/>
           </ac:graphicFrameMkLst>
         </pc:graphicFrameChg>
-      </pc:sldChg>
-    </pc:docChg>
-  </pc:docChgLst>
-  <pc:docChgLst>
-    <pc:chgData name="Andrew Schnitkey" userId="4f2f6332d690fb8f" providerId="LiveId" clId="{B1B4E555-184B-354B-B38A-39DC2074C8AE}"/>
-    <pc:docChg chg="modSld">
-      <pc:chgData name="Andrew Schnitkey" userId="4f2f6332d690fb8f" providerId="LiveId" clId="{B1B4E555-184B-354B-B38A-39DC2074C8AE}" dt="2020-06-25T15:25:40.225" v="1" actId="27918"/>
-      <pc:docMkLst>
-        <pc:docMk/>
-      </pc:docMkLst>
-      <pc:sldChg chg="mod">
-        <pc:chgData name="Andrew Schnitkey" userId="4f2f6332d690fb8f" providerId="LiveId" clId="{B1B4E555-184B-354B-B38A-39DC2074C8AE}" dt="2020-06-25T15:25:40.225" v="1" actId="27918"/>
-        <pc:sldMkLst>
-          <pc:docMk/>
-          <pc:sldMk cId="769240779" sldId="3309"/>
-        </pc:sldMkLst>
       </pc:sldChg>
     </pc:docChg>
   </pc:docChgLst>
@@ -325,19 +349,19 @@
               <c:strCache>
                 <c:ptCount val="5"/>
                 <c:pt idx="0">
-                  <c:v>Q2 2020</c:v>
+                  <c:v>Q3 2020</c:v>
                 </c:pt>
                 <c:pt idx="1">
-                  <c:v>Q3 2020</c:v>
+                  <c:v>Q4 2020</c:v>
                 </c:pt>
                 <c:pt idx="2">
-                  <c:v>Q4 2020</c:v>
+                  <c:v>Q1 2021</c:v>
                 </c:pt>
                 <c:pt idx="3">
-                  <c:v>Q1 2021</c:v>
+                  <c:v>Q2 2021</c:v>
                 </c:pt>
                 <c:pt idx="4">
-                  <c:v>Q2 2021</c:v>
+                  <c:v>Q3 2021</c:v>
                 </c:pt>
               </c:strCache>
             </c:strRef>
@@ -349,19 +373,19 @@
                 <c:formatCode>General</c:formatCode>
                 <c:ptCount val="5"/>
                 <c:pt idx="0">
-                  <c:v>33000</c:v>
+                  <c:v>-141000</c:v>
                 </c:pt>
                 <c:pt idx="1">
-                  <c:v>-141000</c:v>
+                  <c:v>-700000</c:v>
                 </c:pt>
                 <c:pt idx="2">
-                  <c:v>-700000</c:v>
+                  <c:v>-1300000</c:v>
                 </c:pt>
                 <c:pt idx="3">
-                  <c:v>-1300000</c:v>
+                  <c:v>-1400000</c:v>
                 </c:pt>
                 <c:pt idx="4">
-                  <c:v>-1400000</c:v>
+                  <c:v>39684</c:v>
                 </c:pt>
               </c:numCache>
             </c:numRef>
@@ -420,19 +444,19 @@
               <c:strCache>
                 <c:ptCount val="5"/>
                 <c:pt idx="0">
-                  <c:v>Q2 2020</c:v>
+                  <c:v>Q3 2020</c:v>
                 </c:pt>
                 <c:pt idx="1">
-                  <c:v>Q3 2020</c:v>
+                  <c:v>Q4 2020</c:v>
                 </c:pt>
                 <c:pt idx="2">
-                  <c:v>Q4 2020</c:v>
+                  <c:v>Q1 2021</c:v>
                 </c:pt>
                 <c:pt idx="3">
-                  <c:v>Q1 2021</c:v>
+                  <c:v>Q2 2021</c:v>
                 </c:pt>
                 <c:pt idx="4">
-                  <c:v>Q2 2021</c:v>
+                  <c:v>Q3 2021</c:v>
                 </c:pt>
               </c:strCache>
             </c:strRef>
@@ -444,16 +468,16 @@
                 <c:formatCode>0.00%</c:formatCode>
                 <c:ptCount val="5"/>
                 <c:pt idx="0">
-                  <c:v>7.5999999999999998E-2</c:v>
+                  <c:v>7.6999999999999999E-2</c:v>
                 </c:pt>
                 <c:pt idx="1">
-                  <c:v>7.6999999999999999E-2</c:v>
+                  <c:v>0.08</c:v>
                 </c:pt>
                 <c:pt idx="2">
-                  <c:v>0.08</c:v>
+                  <c:v>9.2999999999999999E-2</c:v>
                 </c:pt>
                 <c:pt idx="3">
-                  <c:v>9.2999999999999999E-2</c:v>
+                  <c:v>9.5000000000000001E-2</c:v>
                 </c:pt>
                 <c:pt idx="4">
                   <c:v>9.5000000000000001E-2</c:v>
@@ -743,7 +767,7 @@
             <a:fld id="{EFC10EE1-B198-C942-8235-326C972CBB30}" type="datetimeFigureOut">
               <a:rPr lang="en-US" smtClean="0"/>
               <a:pPr/>
-              <a:t>7/28/21</a:t>
+              <a:t>10/20/21</a:t>
             </a:fld>
             <a:endParaRPr lang="en-US" dirty="0"/>
           </a:p>
@@ -1623,7 +1647,7 @@
           <p:nvPr>
             <p:extLst>
               <p:ext uri="{D42A27DB-BD31-4B8C-83A1-F6EECF244321}">
-                <p14:modId xmlns:p14="http://schemas.microsoft.com/office/powerpoint/2010/main" val="2816693311"/>
+                <p14:modId xmlns:p14="http://schemas.microsoft.com/office/powerpoint/2010/main" val="545984"/>
               </p:ext>
             </p:extLst>
           </p:nvPr>
